--- a/03_アピールポイント/シューティングゲームアピール.pptx
+++ b/03_アピールポイント/シューティングゲームアピール.pptx
@@ -243,7 +243,7 @@
           <a:p>
             <a:fld id="{947524BD-496F-41BB-82A2-1B4013439DFF}" type="datetimeFigureOut">
               <a:rPr kumimoji="1" lang="ja-JP" altLang="en-US" smtClean="0"/>
-              <a:t>2021/1/29</a:t>
+              <a:t>2021/4/6</a:t>
             </a:fld>
             <a:endParaRPr kumimoji="1" lang="ja-JP" altLang="en-US" dirty="0"/>
           </a:p>
@@ -445,7 +445,7 @@
           <a:p>
             <a:fld id="{947524BD-496F-41BB-82A2-1B4013439DFF}" type="datetimeFigureOut">
               <a:rPr kumimoji="1" lang="ja-JP" altLang="en-US" smtClean="0"/>
-              <a:t>2021/1/29</a:t>
+              <a:t>2021/4/6</a:t>
             </a:fld>
             <a:endParaRPr kumimoji="1" lang="ja-JP" altLang="en-US" dirty="0"/>
           </a:p>
@@ -657,7 +657,7 @@
           <a:p>
             <a:fld id="{947524BD-496F-41BB-82A2-1B4013439DFF}" type="datetimeFigureOut">
               <a:rPr kumimoji="1" lang="ja-JP" altLang="en-US" smtClean="0"/>
-              <a:t>2021/1/29</a:t>
+              <a:t>2021/4/6</a:t>
             </a:fld>
             <a:endParaRPr kumimoji="1" lang="ja-JP" altLang="en-US" dirty="0"/>
           </a:p>
@@ -859,7 +859,7 @@
           <a:p>
             <a:fld id="{947524BD-496F-41BB-82A2-1B4013439DFF}" type="datetimeFigureOut">
               <a:rPr kumimoji="1" lang="ja-JP" altLang="en-US" smtClean="0"/>
-              <a:t>2021/1/29</a:t>
+              <a:t>2021/4/6</a:t>
             </a:fld>
             <a:endParaRPr kumimoji="1" lang="ja-JP" altLang="en-US" dirty="0"/>
           </a:p>
@@ -1105,7 +1105,7 @@
           <a:p>
             <a:fld id="{947524BD-496F-41BB-82A2-1B4013439DFF}" type="datetimeFigureOut">
               <a:rPr kumimoji="1" lang="ja-JP" altLang="en-US" smtClean="0"/>
-              <a:t>2021/1/29</a:t>
+              <a:t>2021/4/6</a:t>
             </a:fld>
             <a:endParaRPr kumimoji="1" lang="ja-JP" altLang="en-US" dirty="0"/>
           </a:p>
@@ -1401,7 +1401,7 @@
           <a:p>
             <a:fld id="{947524BD-496F-41BB-82A2-1B4013439DFF}" type="datetimeFigureOut">
               <a:rPr kumimoji="1" lang="ja-JP" altLang="en-US" smtClean="0"/>
-              <a:t>2021/1/29</a:t>
+              <a:t>2021/4/6</a:t>
             </a:fld>
             <a:endParaRPr kumimoji="1" lang="ja-JP" altLang="en-US" dirty="0"/>
           </a:p>
@@ -1832,7 +1832,7 @@
           <a:p>
             <a:fld id="{947524BD-496F-41BB-82A2-1B4013439DFF}" type="datetimeFigureOut">
               <a:rPr kumimoji="1" lang="ja-JP" altLang="en-US" smtClean="0"/>
-              <a:t>2021/1/29</a:t>
+              <a:t>2021/4/6</a:t>
             </a:fld>
             <a:endParaRPr kumimoji="1" lang="ja-JP" altLang="en-US" dirty="0"/>
           </a:p>
@@ -1950,7 +1950,7 @@
           <a:p>
             <a:fld id="{947524BD-496F-41BB-82A2-1B4013439DFF}" type="datetimeFigureOut">
               <a:rPr kumimoji="1" lang="ja-JP" altLang="en-US" smtClean="0"/>
-              <a:t>2021/1/29</a:t>
+              <a:t>2021/4/6</a:t>
             </a:fld>
             <a:endParaRPr kumimoji="1" lang="ja-JP" altLang="en-US" dirty="0"/>
           </a:p>
@@ -2045,7 +2045,7 @@
           <a:p>
             <a:fld id="{947524BD-496F-41BB-82A2-1B4013439DFF}" type="datetimeFigureOut">
               <a:rPr kumimoji="1" lang="ja-JP" altLang="en-US" smtClean="0"/>
-              <a:t>2021/1/29</a:t>
+              <a:t>2021/4/6</a:t>
             </a:fld>
             <a:endParaRPr kumimoji="1" lang="ja-JP" altLang="en-US" dirty="0"/>
           </a:p>
@@ -2354,7 +2354,7 @@
           <a:p>
             <a:fld id="{947524BD-496F-41BB-82A2-1B4013439DFF}" type="datetimeFigureOut">
               <a:rPr kumimoji="1" lang="ja-JP" altLang="en-US" smtClean="0"/>
-              <a:t>2021/1/29</a:t>
+              <a:t>2021/4/6</a:t>
             </a:fld>
             <a:endParaRPr kumimoji="1" lang="ja-JP" altLang="en-US" dirty="0"/>
           </a:p>
@@ -2611,7 +2611,7 @@
           <a:p>
             <a:fld id="{947524BD-496F-41BB-82A2-1B4013439DFF}" type="datetimeFigureOut">
               <a:rPr kumimoji="1" lang="ja-JP" altLang="en-US" smtClean="0"/>
-              <a:t>2021/1/29</a:t>
+              <a:t>2021/4/6</a:t>
             </a:fld>
             <a:endParaRPr kumimoji="1" lang="ja-JP" altLang="en-US" dirty="0"/>
           </a:p>
@@ -2856,7 +2856,7 @@
           <a:p>
             <a:fld id="{947524BD-496F-41BB-82A2-1B4013439DFF}" type="datetimeFigureOut">
               <a:rPr kumimoji="1" lang="ja-JP" altLang="en-US" smtClean="0"/>
-              <a:t>2021/1/29</a:t>
+              <a:t>2021/4/6</a:t>
             </a:fld>
             <a:endParaRPr kumimoji="1" lang="ja-JP" altLang="en-US" dirty="0"/>
           </a:p>
@@ -3717,14 +3717,18 @@
           <a:p>
             <a:r>
               <a:rPr lang="ja-JP" altLang="en-US" sz="5689" dirty="0"/>
-              <a:t>ゲームスペシャリスト学科</a:t>
+              <a:t>ゲームスペシャリスト</a:t>
+            </a:r>
+            <a:r>
+              <a:rPr lang="ja-JP" altLang="en-US" sz="5689" dirty="0" smtClean="0"/>
+              <a:t>学科</a:t>
             </a:r>
             <a:r>
               <a:rPr lang="en-US" altLang="ja-JP" sz="5689" dirty="0"/>
-              <a:t>2</a:t>
-            </a:r>
-            <a:r>
-              <a:rPr lang="ja-JP" altLang="en-US" sz="5689" dirty="0"/>
+              <a:t>3</a:t>
+            </a:r>
+            <a:r>
+              <a:rPr lang="ja-JP" altLang="en-US" sz="5689" smtClean="0"/>
               <a:t>年西潟栞那汰</a:t>
             </a:r>
             <a:endParaRPr lang="en-US" altLang="ja-JP" sz="5689" dirty="0"/>
